--- a/5_félév/gépi_tanulás/Lecture 4 -- Goal oriented systems.pptx
+++ b/5_félév/gépi_tanulás/Lecture 4 -- Goal oriented systems.pptx
@@ -4018,7 +4018,7 @@
           <a:p>
             <a:fld id="{5FED8D6F-A0C0-46C0-A295-D3723D5EA4AB}" type="datetimeFigureOut">
               <a:rPr lang="en-GB" smtClean="0"/>
-              <a:t>18/10/2020</a:t>
+              <a:t>16/12/2020</a:t>
             </a:fld>
             <a:endParaRPr lang="en-GB"/>
           </a:p>
@@ -4183,7 +4183,7 @@
           <a:p>
             <a:fld id="{602B6E7B-3576-4970-B1A2-88C1ABE177BE}" type="datetimeFigureOut">
               <a:rPr lang="en-GB" smtClean="0"/>
-              <a:t>18/10/2020</a:t>
+              <a:t>16/12/2020</a:t>
             </a:fld>
             <a:endParaRPr lang="en-GB"/>
           </a:p>
@@ -6225,7 +6225,7 @@
               <a:pPr>
                 <a:defRPr/>
               </a:pPr>
-              <a:t>10/18/2020</a:t>
+              <a:t>12/16/2020</a:t>
             </a:fld>
             <a:endParaRPr lang="en-US"/>
           </a:p>
@@ -6700,7 +6700,7 @@
           <a:p>
             <a:fld id="{3BFB6B89-2F79-4BA7-A23A-F0B188F0D5B2}" type="datetimeFigureOut">
               <a:rPr lang="hu-HU" smtClean="0"/>
-              <a:t>2020. 10. 18.</a:t>
+              <a:t>2020. 12. 16.</a:t>
             </a:fld>
             <a:endParaRPr lang="hu-HU"/>
           </a:p>
@@ -16114,7 +16114,7 @@
           <a:ln>
             <a:extLst>
               <a:ext uri="{C807C97D-BFC1-408E-A445-0C87EB9F89A2}">
-                <ask:lineSketchStyleProps xmlns:ask="http://schemas.microsoft.com/office/drawing/2018/sketchyshapes" xmlns="" sd="25469283">
+                <ask:lineSketchStyleProps xmlns="" xmlns:ask="http://schemas.microsoft.com/office/drawing/2018/sketchyshapes" sd="25469283">
                   <a:prstGeom prst="rect">
                     <a:avLst/>
                   </a:prstGeom>
@@ -18343,7 +18343,7 @@
         </p:blipFill>
         <p:spPr bwMode="auto">
           <a:xfrm>
-            <a:off x="2411760" y="1849102"/>
+            <a:off x="4716016" y="404671"/>
             <a:ext cx="3159795" cy="3159795"/>
           </a:xfrm>
           <a:prstGeom prst="rect">
